--- a/doc/Android AES key protectin and encryption.pptx
+++ b/doc/Android AES key protectin and encryption.pptx
@@ -3493,6 +3493,47 @@
       </p:grpSpPr>
       <p:sp>
         <p:nvSpPr>
+          <p:cNvPr id="79" name="矩形 78"/>
+          <p:cNvSpPr/>
+          <p:nvPr/>
+        </p:nvSpPr>
+        <p:spPr>
+          <a:xfrm>
+            <a:off x="7452320" y="2708920"/>
+            <a:ext cx="1497908" cy="3816424"/>
+          </a:xfrm>
+          <a:prstGeom prst="rect">
+            <a:avLst/>
+          </a:prstGeom>
+          <a:ln w="12700">
+            <a:prstDash val="sysDash"/>
+          </a:ln>
+        </p:spPr>
+        <p:style>
+          <a:lnRef idx="2">
+            <a:schemeClr val="accent1"/>
+          </a:lnRef>
+          <a:fillRef idx="1">
+            <a:schemeClr val="lt1"/>
+          </a:fillRef>
+          <a:effectRef idx="0">
+            <a:schemeClr val="accent1"/>
+          </a:effectRef>
+          <a:fontRef idx="minor">
+            <a:schemeClr val="dk1"/>
+          </a:fontRef>
+        </p:style>
+        <p:txBody>
+          <a:bodyPr rtlCol="0" anchor="ctr"/>
+          <a:lstStyle/>
+          <a:p>
+            <a:pPr algn="ctr"/>
+            <a:endParaRPr lang="zh-CN" altLang="en-US" dirty="0"/>
+          </a:p>
+        </p:txBody>
+      </p:sp>
+      <p:sp>
+        <p:nvSpPr>
           <p:cNvPr id="7" name="矩形 6"/>
           <p:cNvSpPr/>
           <p:nvPr/>
@@ -3505,8 +3546,8 @@
           <a:prstGeom prst="rect">
             <a:avLst/>
           </a:prstGeom>
-          <a:ln>
-            <a:prstDash val="dash"/>
+          <a:ln w="12700">
+            <a:prstDash val="sysDash"/>
           </a:ln>
         </p:spPr>
         <p:style>
@@ -3743,7 +3784,7 @@
               <a:t>Android </a:t>
             </a:r>
             <a:r>
-              <a:rPr lang="en-US" altLang="zh-CN" sz="1400" b="1" dirty="0" err="1" smtClean="0"/>
+              <a:rPr lang="en-US" altLang="zh-CN" sz="1400" b="1" dirty="0" smtClean="0"/>
               <a:t>KeyStore</a:t>
             </a:r>
             <a:r>
@@ -4820,11 +4861,11 @@
               <a:t> [</a:t>
             </a:r>
             <a:r>
-              <a:rPr lang="en-US" altLang="zh-CN" sz="1200" b="1" dirty="0" err="1" smtClean="0"/>
+              <a:rPr lang="en-US" altLang="zh-CN" sz="1200" b="1" dirty="0" smtClean="0"/>
               <a:t>M</a:t>
             </a:r>
             <a:r>
-              <a:rPr lang="en-US" altLang="zh-CN" sz="1200" b="1" dirty="0" err="1" smtClean="0"/>
+              <a:rPr lang="en-US" altLang="zh-CN" sz="1200" b="1" dirty="0" smtClean="0"/>
               <a:t>sg</a:t>
             </a:r>
             <a:r>
@@ -4832,6 +4873,36 @@
               <a:t>-Local]</a:t>
             </a:r>
             <a:endParaRPr lang="zh-CN" altLang="en-US" sz="1200" b="1" dirty="0"/>
+          </a:p>
+        </p:txBody>
+      </p:sp>
+      <p:sp>
+        <p:nvSpPr>
+          <p:cNvPr id="80" name="TextBox 79"/>
+          <p:cNvSpPr txBox="1"/>
+          <p:nvPr/>
+        </p:nvSpPr>
+        <p:spPr>
+          <a:xfrm>
+            <a:off x="7452320" y="2780928"/>
+            <a:ext cx="1584176" cy="338554"/>
+          </a:xfrm>
+          <a:prstGeom prst="rect">
+            <a:avLst/>
+          </a:prstGeom>
+          <a:noFill/>
+        </p:spPr>
+        <p:txBody>
+          <a:bodyPr wrap="square" rtlCol="0">
+            <a:spAutoFit/>
+          </a:bodyPr>
+          <a:lstStyle/>
+          <a:p>
+            <a:r>
+              <a:rPr lang="en-US" altLang="zh-CN" sz="1600" dirty="0" smtClean="0"/>
+              <a:t>Server</a:t>
+            </a:r>
+            <a:endParaRPr lang="zh-CN" altLang="en-US" sz="1600" dirty="0"/>
           </a:p>
         </p:txBody>
       </p:sp>
@@ -4862,6 +4933,77 @@
       </p:grpSpPr>
       <p:sp>
         <p:nvSpPr>
+          <p:cNvPr id="81" name="矩形 80"/>
+          <p:cNvSpPr/>
+          <p:nvPr/>
+        </p:nvSpPr>
+        <p:spPr>
+          <a:xfrm>
+            <a:off x="7524328" y="2996952"/>
+            <a:ext cx="1497908" cy="3816424"/>
+          </a:xfrm>
+          <a:prstGeom prst="rect">
+            <a:avLst/>
+          </a:prstGeom>
+          <a:ln w="9525">
+            <a:prstDash val="sysDash"/>
+          </a:ln>
+        </p:spPr>
+        <p:style>
+          <a:lnRef idx="2">
+            <a:schemeClr val="accent1"/>
+          </a:lnRef>
+          <a:fillRef idx="1">
+            <a:schemeClr val="lt1"/>
+          </a:fillRef>
+          <a:effectRef idx="0">
+            <a:schemeClr val="accent1"/>
+          </a:effectRef>
+          <a:fontRef idx="minor">
+            <a:schemeClr val="dk1"/>
+          </a:fontRef>
+        </p:style>
+        <p:txBody>
+          <a:bodyPr rtlCol="0" anchor="ctr"/>
+          <a:lstStyle/>
+          <a:p>
+            <a:pPr algn="ctr"/>
+            <a:endParaRPr lang="zh-CN" altLang="en-US" dirty="0"/>
+          </a:p>
+        </p:txBody>
+      </p:sp>
+      <p:sp>
+        <p:nvSpPr>
+          <p:cNvPr id="82" name="TextBox 81"/>
+          <p:cNvSpPr txBox="1"/>
+          <p:nvPr/>
+        </p:nvSpPr>
+        <p:spPr>
+          <a:xfrm>
+            <a:off x="7524328" y="3068960"/>
+            <a:ext cx="1584176" cy="338554"/>
+          </a:xfrm>
+          <a:prstGeom prst="rect">
+            <a:avLst/>
+          </a:prstGeom>
+          <a:noFill/>
+        </p:spPr>
+        <p:txBody>
+          <a:bodyPr wrap="square" rtlCol="0">
+            <a:spAutoFit/>
+          </a:bodyPr>
+          <a:lstStyle/>
+          <a:p>
+            <a:r>
+              <a:rPr lang="en-US" altLang="zh-CN" sz="1600" dirty="0" smtClean="0"/>
+              <a:t>Server</a:t>
+            </a:r>
+            <a:endParaRPr lang="zh-CN" altLang="en-US" sz="1600" dirty="0"/>
+          </a:p>
+        </p:txBody>
+      </p:sp>
+      <p:sp>
+        <p:nvSpPr>
           <p:cNvPr id="4" name="TextBox 3"/>
           <p:cNvSpPr txBox="1"/>
           <p:nvPr/>
@@ -4926,7 +5068,15 @@
           <a:p>
             <a:r>
               <a:rPr lang="en-US" altLang="zh-CN" b="1" dirty="0" smtClean="0"/>
-              <a:t>Step 1: B</a:t>
+              <a:t>Step </a:t>
+            </a:r>
+            <a:r>
+              <a:rPr lang="en-US" altLang="zh-CN" b="1" dirty="0" smtClean="0"/>
+              <a:t>2: </a:t>
+            </a:r>
+            <a:r>
+              <a:rPr lang="en-US" altLang="zh-CN" b="1" dirty="0" smtClean="0"/>
+              <a:t>B</a:t>
             </a:r>
             <a:r>
               <a:rPr lang="en-US" altLang="zh-CN" b="1" dirty="0" smtClean="0"/>
@@ -4950,8 +5100,8 @@
           <a:prstGeom prst="rect">
             <a:avLst/>
           </a:prstGeom>
-          <a:ln>
-            <a:prstDash val="dash"/>
+          <a:ln w="12700">
+            <a:prstDash val="sysDash"/>
           </a:ln>
         </p:spPr>
         <p:style>
@@ -5115,7 +5265,7 @@
               <a:t>Android </a:t>
             </a:r>
             <a:r>
-              <a:rPr lang="en-US" altLang="zh-CN" sz="1400" b="1" dirty="0" err="1" smtClean="0"/>
+              <a:rPr lang="en-US" altLang="zh-CN" sz="1400" b="1" dirty="0" smtClean="0"/>
               <a:t>KeyStore</a:t>
             </a:r>
             <a:r>
@@ -5545,11 +5695,11 @@
               <a:t> [</a:t>
             </a:r>
             <a:r>
-              <a:rPr lang="en-US" altLang="zh-CN" sz="1200" b="1" dirty="0" err="1" smtClean="0"/>
+              <a:rPr lang="en-US" altLang="zh-CN" sz="1200" b="1" dirty="0" smtClean="0"/>
               <a:t>M</a:t>
             </a:r>
             <a:r>
-              <a:rPr lang="en-US" altLang="zh-CN" sz="1200" b="1" dirty="0" err="1" smtClean="0"/>
+              <a:rPr lang="en-US" altLang="zh-CN" sz="1200" b="1" dirty="0" smtClean="0"/>
               <a:t>sg</a:t>
             </a:r>
             <a:r>
@@ -5778,7 +5928,7 @@
               <a:t>Android Phone local Cipher (</a:t>
             </a:r>
             <a:r>
-              <a:rPr lang="en-US" altLang="zh-CN" sz="1100" b="1" dirty="0" err="1" smtClean="0"/>
+              <a:rPr lang="en-US" altLang="zh-CN" sz="1100" b="1" dirty="0" smtClean="0"/>
               <a:t>Javax</a:t>
             </a:r>
             <a:r>
@@ -6236,7 +6386,7 @@
               <a:t>Server Cipher (</a:t>
             </a:r>
             <a:r>
-              <a:rPr lang="en-US" altLang="zh-CN" sz="1100" b="1" dirty="0" err="1" smtClean="0"/>
+              <a:rPr lang="en-US" altLang="zh-CN" sz="1100" b="1" dirty="0" smtClean="0"/>
               <a:t>Javax</a:t>
             </a:r>
             <a:r>
@@ -6321,7 +6471,7 @@
         <p:spPr>
           <a:xfrm>
             <a:off x="7020272" y="5157192"/>
-            <a:ext cx="2808312" cy="261610"/>
+            <a:ext cx="2123728" cy="261610"/>
           </a:xfrm>
           <a:prstGeom prst="rect">
             <a:avLst/>
